--- a/Blinkit Analysis.pptx
+++ b/Blinkit Analysis.pptx
@@ -8,7 +8,6 @@
     <p:sldId id="257" r:id="rId2"/>
     <p:sldId id="258" r:id="rId3"/>
     <p:sldId id="259" r:id="rId4"/>
-    <p:sldId id="261" r:id="rId5"/>
   </p:sldIdLst>
   <p:sldSz cx="12192000" cy="6858000"/>
   <p:notesSz cx="6858000" cy="9144000"/>
@@ -264,7 +263,7 @@
           <a:p>
             <a:fld id="{A8B7FD77-64CE-4E94-98DD-310047DA4970}" type="datetimeFigureOut">
               <a:rPr lang="en-IN" smtClean="0"/>
-              <a:t>03-02-2025</a:t>
+              <a:t>20-06-2025</a:t>
             </a:fld>
             <a:endParaRPr lang="en-IN"/>
           </a:p>
@@ -464,7 +463,7 @@
           <a:p>
             <a:fld id="{A8B7FD77-64CE-4E94-98DD-310047DA4970}" type="datetimeFigureOut">
               <a:rPr lang="en-IN" smtClean="0"/>
-              <a:t>03-02-2025</a:t>
+              <a:t>20-06-2025</a:t>
             </a:fld>
             <a:endParaRPr lang="en-IN"/>
           </a:p>
@@ -674,7 +673,7 @@
           <a:p>
             <a:fld id="{A8B7FD77-64CE-4E94-98DD-310047DA4970}" type="datetimeFigureOut">
               <a:rPr lang="en-IN" smtClean="0"/>
-              <a:t>03-02-2025</a:t>
+              <a:t>20-06-2025</a:t>
             </a:fld>
             <a:endParaRPr lang="en-IN"/>
           </a:p>
@@ -874,7 +873,7 @@
           <a:p>
             <a:fld id="{A8B7FD77-64CE-4E94-98DD-310047DA4970}" type="datetimeFigureOut">
               <a:rPr lang="en-IN" smtClean="0"/>
-              <a:t>03-02-2025</a:t>
+              <a:t>20-06-2025</a:t>
             </a:fld>
             <a:endParaRPr lang="en-IN"/>
           </a:p>
@@ -1150,7 +1149,7 @@
           <a:p>
             <a:fld id="{A8B7FD77-64CE-4E94-98DD-310047DA4970}" type="datetimeFigureOut">
               <a:rPr lang="en-IN" smtClean="0"/>
-              <a:t>03-02-2025</a:t>
+              <a:t>20-06-2025</a:t>
             </a:fld>
             <a:endParaRPr lang="en-IN"/>
           </a:p>
@@ -1418,7 +1417,7 @@
           <a:p>
             <a:fld id="{A8B7FD77-64CE-4E94-98DD-310047DA4970}" type="datetimeFigureOut">
               <a:rPr lang="en-IN" smtClean="0"/>
-              <a:t>03-02-2025</a:t>
+              <a:t>20-06-2025</a:t>
             </a:fld>
             <a:endParaRPr lang="en-IN"/>
           </a:p>
@@ -1833,7 +1832,7 @@
           <a:p>
             <a:fld id="{A8B7FD77-64CE-4E94-98DD-310047DA4970}" type="datetimeFigureOut">
               <a:rPr lang="en-IN" smtClean="0"/>
-              <a:t>03-02-2025</a:t>
+              <a:t>20-06-2025</a:t>
             </a:fld>
             <a:endParaRPr lang="en-IN"/>
           </a:p>
@@ -1975,7 +1974,7 @@
           <a:p>
             <a:fld id="{A8B7FD77-64CE-4E94-98DD-310047DA4970}" type="datetimeFigureOut">
               <a:rPr lang="en-IN" smtClean="0"/>
-              <a:t>03-02-2025</a:t>
+              <a:t>20-06-2025</a:t>
             </a:fld>
             <a:endParaRPr lang="en-IN"/>
           </a:p>
@@ -2088,7 +2087,7 @@
           <a:p>
             <a:fld id="{A8B7FD77-64CE-4E94-98DD-310047DA4970}" type="datetimeFigureOut">
               <a:rPr lang="en-IN" smtClean="0"/>
-              <a:t>03-02-2025</a:t>
+              <a:t>20-06-2025</a:t>
             </a:fld>
             <a:endParaRPr lang="en-IN"/>
           </a:p>
@@ -2401,7 +2400,7 @@
           <a:p>
             <a:fld id="{A8B7FD77-64CE-4E94-98DD-310047DA4970}" type="datetimeFigureOut">
               <a:rPr lang="en-IN" smtClean="0"/>
-              <a:t>03-02-2025</a:t>
+              <a:t>20-06-2025</a:t>
             </a:fld>
             <a:endParaRPr lang="en-IN"/>
           </a:p>
@@ -2690,7 +2689,7 @@
           <a:p>
             <a:fld id="{A8B7FD77-64CE-4E94-98DD-310047DA4970}" type="datetimeFigureOut">
               <a:rPr lang="en-IN" smtClean="0"/>
-              <a:t>03-02-2025</a:t>
+              <a:t>20-06-2025</a:t>
             </a:fld>
             <a:endParaRPr lang="en-IN"/>
           </a:p>
@@ -2933,7 +2932,7 @@
           <a:p>
             <a:fld id="{A8B7FD77-64CE-4E94-98DD-310047DA4970}" type="datetimeFigureOut">
               <a:rPr lang="en-IN" smtClean="0"/>
-              <a:t>03-02-2025</a:t>
+              <a:t>20-06-2025</a:t>
             </a:fld>
             <a:endParaRPr lang="en-IN"/>
           </a:p>
@@ -3536,42 +3535,6 @@
           </a:p>
         </p:txBody>
       </p:sp>
-      <p:pic>
-        <p:nvPicPr>
-          <p:cNvPr id="7" name="Picture 6">
-            <a:extLst>
-              <a:ext uri="{FF2B5EF4-FFF2-40B4-BE49-F238E27FC236}">
-                <a16:creationId xmlns:a16="http://schemas.microsoft.com/office/drawing/2014/main" id="{A08EB0EC-B6A5-45A6-CFA7-C2F2F5125266}"/>
-              </a:ext>
-            </a:extLst>
-          </p:cNvPr>
-          <p:cNvPicPr>
-            <a:picLocks noChangeAspect="1"/>
-          </p:cNvPicPr>
-          <p:nvPr/>
-        </p:nvPicPr>
-        <p:blipFill>
-          <a:blip r:embed="rId2">
-            <a:extLst>
-              <a:ext uri="{28A0092B-C50C-407E-A947-70E740481C1C}">
-                <a14:useLocalDpi xmlns:a14="http://schemas.microsoft.com/office/drawing/2010/main" val="0"/>
-              </a:ext>
-            </a:extLst>
-          </a:blip>
-          <a:stretch>
-            <a:fillRect/>
-          </a:stretch>
-        </p:blipFill>
-        <p:spPr>
-          <a:xfrm>
-            <a:off x="10689651" y="-307951"/>
-            <a:ext cx="1671703" cy="1671703"/>
-          </a:xfrm>
-          <a:prstGeom prst="rect">
-            <a:avLst/>
-          </a:prstGeom>
-        </p:spPr>
-      </p:pic>
       <p:sp>
         <p:nvSpPr>
           <p:cNvPr id="2" name="TextBox 2">
@@ -4163,42 +4126,6 @@
       </p:sp>
       <p:pic>
         <p:nvPicPr>
-          <p:cNvPr id="13" name="Picture 12">
-            <a:extLst>
-              <a:ext uri="{FF2B5EF4-FFF2-40B4-BE49-F238E27FC236}">
-                <a16:creationId xmlns:a16="http://schemas.microsoft.com/office/drawing/2014/main" id="{736985F1-78C3-EC87-83A0-2D323CD4C9C0}"/>
-              </a:ext>
-            </a:extLst>
-          </p:cNvPr>
-          <p:cNvPicPr>
-            <a:picLocks noChangeAspect="1"/>
-          </p:cNvPicPr>
-          <p:nvPr/>
-        </p:nvPicPr>
-        <p:blipFill>
-          <a:blip r:embed="rId3">
-            <a:extLst>
-              <a:ext uri="{28A0092B-C50C-407E-A947-70E740481C1C}">
-                <a14:useLocalDpi xmlns:a14="http://schemas.microsoft.com/office/drawing/2010/main" val="0"/>
-              </a:ext>
-            </a:extLst>
-          </a:blip>
-          <a:stretch>
-            <a:fillRect/>
-          </a:stretch>
-        </p:blipFill>
-        <p:spPr>
-          <a:xfrm>
-            <a:off x="216015" y="6114979"/>
-            <a:ext cx="860309" cy="620857"/>
-          </a:xfrm>
-          <a:prstGeom prst="rect">
-            <a:avLst/>
-          </a:prstGeom>
-        </p:spPr>
-      </p:pic>
-      <p:pic>
-        <p:nvPicPr>
           <p:cNvPr id="1026" name="Picture 2" descr="Azure SQL Logo - PNG Logo Vector Brand Downloads (SVG, EPS)">
             <a:extLst>
               <a:ext uri="{FF2B5EF4-FFF2-40B4-BE49-F238E27FC236}">
@@ -4212,7 +4139,7 @@
           <p:nvPr/>
         </p:nvPicPr>
         <p:blipFill>
-          <a:blip r:embed="rId4">
+          <a:blip r:embed="rId2">
             <a:extLst>
               <a:ext uri="{28A0092B-C50C-407E-A947-70E740481C1C}">
                 <a14:useLocalDpi xmlns:a14="http://schemas.microsoft.com/office/drawing/2010/main" val="0"/>
@@ -4259,7 +4186,7 @@
           <p:nvPr/>
         </p:nvPicPr>
         <p:blipFill>
-          <a:blip r:embed="rId5">
+          <a:blip r:embed="rId3">
             <a:duotone>
               <a:prstClr val="black"/>
               <a:schemeClr val="accent1">
@@ -4813,42 +4740,6 @@
           </a:p>
         </p:txBody>
       </p:sp>
-      <p:pic>
-        <p:nvPicPr>
-          <p:cNvPr id="12" name="Picture 11">
-            <a:extLst>
-              <a:ext uri="{FF2B5EF4-FFF2-40B4-BE49-F238E27FC236}">
-                <a16:creationId xmlns:a16="http://schemas.microsoft.com/office/drawing/2014/main" id="{8D56A6E6-9FEB-E12A-1F6A-8FCBFFF9CFAD}"/>
-              </a:ext>
-            </a:extLst>
-          </p:cNvPr>
-          <p:cNvPicPr>
-            <a:picLocks noChangeAspect="1"/>
-          </p:cNvPicPr>
-          <p:nvPr/>
-        </p:nvPicPr>
-        <p:blipFill>
-          <a:blip r:embed="rId2">
-            <a:extLst>
-              <a:ext uri="{28A0092B-C50C-407E-A947-70E740481C1C}">
-                <a14:useLocalDpi xmlns:a14="http://schemas.microsoft.com/office/drawing/2010/main" val="0"/>
-              </a:ext>
-            </a:extLst>
-          </a:blip>
-          <a:stretch>
-            <a:fillRect/>
-          </a:stretch>
-        </p:blipFill>
-        <p:spPr>
-          <a:xfrm>
-            <a:off x="216015" y="6114979"/>
-            <a:ext cx="860309" cy="620857"/>
-          </a:xfrm>
-          <a:prstGeom prst="rect">
-            <a:avLst/>
-          </a:prstGeom>
-        </p:spPr>
-      </p:pic>
       <p:sp>
         <p:nvSpPr>
           <p:cNvPr id="4" name="Rectangle 1">
@@ -5331,42 +5222,6 @@
       </p:sp>
       <p:pic>
         <p:nvPicPr>
-          <p:cNvPr id="9" name="Picture 8">
-            <a:extLst>
-              <a:ext uri="{FF2B5EF4-FFF2-40B4-BE49-F238E27FC236}">
-                <a16:creationId xmlns:a16="http://schemas.microsoft.com/office/drawing/2014/main" id="{A4F95968-7DD7-93BC-CDD3-935B46B29C86}"/>
-              </a:ext>
-            </a:extLst>
-          </p:cNvPr>
-          <p:cNvPicPr>
-            <a:picLocks noChangeAspect="1"/>
-          </p:cNvPicPr>
-          <p:nvPr/>
-        </p:nvPicPr>
-        <p:blipFill>
-          <a:blip r:embed="rId3">
-            <a:extLst>
-              <a:ext uri="{28A0092B-C50C-407E-A947-70E740481C1C}">
-                <a14:useLocalDpi xmlns:a14="http://schemas.microsoft.com/office/drawing/2010/main" val="0"/>
-              </a:ext>
-            </a:extLst>
-          </a:blip>
-          <a:stretch>
-            <a:fillRect/>
-          </a:stretch>
-        </p:blipFill>
-        <p:spPr>
-          <a:xfrm>
-            <a:off x="10689651" y="-307951"/>
-            <a:ext cx="1671703" cy="1671703"/>
-          </a:xfrm>
-          <a:prstGeom prst="rect">
-            <a:avLst/>
-          </a:prstGeom>
-        </p:spPr>
-      </p:pic>
-      <p:pic>
-        <p:nvPicPr>
           <p:cNvPr id="10" name="Picture 2" descr="Azure SQL Logo - PNG Logo Vector Brand Downloads (SVG, EPS)">
             <a:extLst>
               <a:ext uri="{FF2B5EF4-FFF2-40B4-BE49-F238E27FC236}">
@@ -5380,7 +5235,7 @@
           <p:nvPr/>
         </p:nvPicPr>
         <p:blipFill>
-          <a:blip r:embed="rId4">
+          <a:blip r:embed="rId2">
             <a:extLst>
               <a:ext uri="{28A0092B-C50C-407E-A947-70E740481C1C}">
                 <a14:useLocalDpi xmlns:a14="http://schemas.microsoft.com/office/drawing/2010/main" val="0"/>
@@ -5427,7 +5282,7 @@
           <p:nvPr/>
         </p:nvPicPr>
         <p:blipFill>
-          <a:blip r:embed="rId5">
+          <a:blip r:embed="rId3">
             <a:duotone>
               <a:prstClr val="black"/>
               <a:schemeClr val="accent1">
@@ -5981,42 +5836,6 @@
           </a:p>
         </p:txBody>
       </p:sp>
-      <p:pic>
-        <p:nvPicPr>
-          <p:cNvPr id="12" name="Picture 11">
-            <a:extLst>
-              <a:ext uri="{FF2B5EF4-FFF2-40B4-BE49-F238E27FC236}">
-                <a16:creationId xmlns:a16="http://schemas.microsoft.com/office/drawing/2014/main" id="{8D56A6E6-9FEB-E12A-1F6A-8FCBFFF9CFAD}"/>
-              </a:ext>
-            </a:extLst>
-          </p:cNvPr>
-          <p:cNvPicPr>
-            <a:picLocks noChangeAspect="1"/>
-          </p:cNvPicPr>
-          <p:nvPr/>
-        </p:nvPicPr>
-        <p:blipFill>
-          <a:blip r:embed="rId2">
-            <a:extLst>
-              <a:ext uri="{28A0092B-C50C-407E-A947-70E740481C1C}">
-                <a14:useLocalDpi xmlns:a14="http://schemas.microsoft.com/office/drawing/2010/main" val="0"/>
-              </a:ext>
-            </a:extLst>
-          </a:blip>
-          <a:stretch>
-            <a:fillRect/>
-          </a:stretch>
-        </p:blipFill>
-        <p:spPr>
-          <a:xfrm>
-            <a:off x="216015" y="6114979"/>
-            <a:ext cx="860309" cy="620857"/>
-          </a:xfrm>
-          <a:prstGeom prst="rect">
-            <a:avLst/>
-          </a:prstGeom>
-        </p:spPr>
-      </p:pic>
       <p:sp>
         <p:nvSpPr>
           <p:cNvPr id="3" name="Rectangle 1">
@@ -6230,42 +6049,6 @@
       </p:sp>
       <p:pic>
         <p:nvPicPr>
-          <p:cNvPr id="9" name="Picture 8">
-            <a:extLst>
-              <a:ext uri="{FF2B5EF4-FFF2-40B4-BE49-F238E27FC236}">
-                <a16:creationId xmlns:a16="http://schemas.microsoft.com/office/drawing/2014/main" id="{61C16131-B2D0-CF61-035E-38CF286C7E39}"/>
-              </a:ext>
-            </a:extLst>
-          </p:cNvPr>
-          <p:cNvPicPr>
-            <a:picLocks noChangeAspect="1"/>
-          </p:cNvPicPr>
-          <p:nvPr/>
-        </p:nvPicPr>
-        <p:blipFill>
-          <a:blip r:embed="rId3">
-            <a:extLst>
-              <a:ext uri="{28A0092B-C50C-407E-A947-70E740481C1C}">
-                <a14:useLocalDpi xmlns:a14="http://schemas.microsoft.com/office/drawing/2010/main" val="0"/>
-              </a:ext>
-            </a:extLst>
-          </a:blip>
-          <a:stretch>
-            <a:fillRect/>
-          </a:stretch>
-        </p:blipFill>
-        <p:spPr>
-          <a:xfrm>
-            <a:off x="10689651" y="-307951"/>
-            <a:ext cx="1671703" cy="1671703"/>
-          </a:xfrm>
-          <a:prstGeom prst="rect">
-            <a:avLst/>
-          </a:prstGeom>
-        </p:spPr>
-      </p:pic>
-      <p:pic>
-        <p:nvPicPr>
           <p:cNvPr id="10" name="Picture 2" descr="Azure SQL Logo - PNG Logo Vector Brand Downloads (SVG, EPS)">
             <a:extLst>
               <a:ext uri="{FF2B5EF4-FFF2-40B4-BE49-F238E27FC236}">
@@ -6279,7 +6062,7 @@
           <p:nvPr/>
         </p:nvPicPr>
         <p:blipFill>
-          <a:blip r:embed="rId4">
+          <a:blip r:embed="rId2">
             <a:extLst>
               <a:ext uri="{28A0092B-C50C-407E-A947-70E740481C1C}">
                 <a14:useLocalDpi xmlns:a14="http://schemas.microsoft.com/office/drawing/2010/main" val="0"/>
@@ -6326,7 +6109,7 @@
           <p:nvPr/>
         </p:nvPicPr>
         <p:blipFill>
-          <a:blip r:embed="rId5">
+          <a:blip r:embed="rId3">
             <a:duotone>
               <a:prstClr val="black"/>
               <a:schemeClr val="accent1">
@@ -6369,472 +6152,6 @@
     <p:extLst>
       <p:ext uri="{BB962C8B-B14F-4D97-AF65-F5344CB8AC3E}">
         <p14:creationId xmlns:p14="http://schemas.microsoft.com/office/powerpoint/2010/main" val="1262944802"/>
-      </p:ext>
-    </p:extLst>
-  </p:cSld>
-  <p:clrMapOvr>
-    <a:masterClrMapping/>
-  </p:clrMapOvr>
-</p:sld>
-</file>
-
-<file path=ppt/slides/slide4.xml><?xml version="1.0" encoding="utf-8"?>
-<p:sld xmlns:a="http://schemas.openxmlformats.org/drawingml/2006/main" xmlns:r="http://schemas.openxmlformats.org/officeDocument/2006/relationships" xmlns:p="http://schemas.openxmlformats.org/presentationml/2006/main">
-  <p:cSld>
-    <p:bg>
-      <p:bgPr>
-        <a:solidFill>
-          <a:schemeClr val="accent5">
-            <a:lumMod val="40000"/>
-            <a:lumOff val="60000"/>
-          </a:schemeClr>
-        </a:solidFill>
-        <a:effectLst/>
-      </p:bgPr>
-    </p:bg>
-    <p:spTree>
-      <p:nvGrpSpPr>
-        <p:cNvPr id="1" name=""/>
-        <p:cNvGrpSpPr/>
-        <p:nvPr/>
-      </p:nvGrpSpPr>
-      <p:grpSpPr>
-        <a:xfrm>
-          <a:off x="0" y="0"/>
-          <a:ext cx="0" cy="0"/>
-          <a:chOff x="0" y="0"/>
-          <a:chExt cx="0" cy="0"/>
-        </a:xfrm>
-      </p:grpSpPr>
-      <p:sp>
-        <p:nvSpPr>
-          <p:cNvPr id="5" name="TextBox 2">
-            <a:extLst>
-              <a:ext uri="{FF2B5EF4-FFF2-40B4-BE49-F238E27FC236}">
-                <a16:creationId xmlns:a16="http://schemas.microsoft.com/office/drawing/2014/main" id="{8E2D7C56-7B75-E761-4F59-68C3E96E0F50}"/>
-              </a:ext>
-            </a:extLst>
-          </p:cNvPr>
-          <p:cNvSpPr txBox="1"/>
-          <p:nvPr/>
-        </p:nvSpPr>
-        <p:spPr>
-          <a:xfrm>
-            <a:off x="4024312" y="119060"/>
-            <a:ext cx="4143376" cy="583407"/>
-          </a:xfrm>
-          <a:prstGeom prst="rect">
-            <a:avLst/>
-          </a:prstGeom>
-          <a:noFill/>
-          <a:ln w="9525" cmpd="sng">
-            <a:noFill/>
-          </a:ln>
-        </p:spPr>
-        <p:style>
-          <a:lnRef idx="0">
-            <a:scrgbClr r="0" g="0" b="0"/>
-          </a:lnRef>
-          <a:fillRef idx="0">
-            <a:scrgbClr r="0" g="0" b="0"/>
-          </a:fillRef>
-          <a:effectRef idx="0">
-            <a:scrgbClr r="0" g="0" b="0"/>
-          </a:effectRef>
-          <a:fontRef idx="minor">
-            <a:schemeClr val="dk1"/>
-          </a:fontRef>
-        </p:style>
-        <p:txBody>
-          <a:bodyPr wrap="square" rtlCol="0" anchor="ctr"/>
-          <a:lstStyle>
-            <a:lvl1pPr marL="0" indent="0">
-              <a:defRPr sz="1100">
-                <a:solidFill>
-                  <a:schemeClr val="dk1"/>
-                </a:solidFill>
-                <a:latin typeface="+mn-lt"/>
-                <a:ea typeface="+mn-ea"/>
-                <a:cs typeface="+mn-cs"/>
-              </a:defRPr>
-            </a:lvl1pPr>
-            <a:lvl2pPr marL="457200" indent="0">
-              <a:defRPr sz="1100">
-                <a:solidFill>
-                  <a:schemeClr val="dk1"/>
-                </a:solidFill>
-                <a:latin typeface="+mn-lt"/>
-                <a:ea typeface="+mn-ea"/>
-                <a:cs typeface="+mn-cs"/>
-              </a:defRPr>
-            </a:lvl2pPr>
-            <a:lvl3pPr marL="914400" indent="0">
-              <a:defRPr sz="1100">
-                <a:solidFill>
-                  <a:schemeClr val="dk1"/>
-                </a:solidFill>
-                <a:latin typeface="+mn-lt"/>
-                <a:ea typeface="+mn-ea"/>
-                <a:cs typeface="+mn-cs"/>
-              </a:defRPr>
-            </a:lvl3pPr>
-            <a:lvl4pPr marL="1371600" indent="0">
-              <a:defRPr sz="1100">
-                <a:solidFill>
-                  <a:schemeClr val="dk1"/>
-                </a:solidFill>
-                <a:latin typeface="+mn-lt"/>
-                <a:ea typeface="+mn-ea"/>
-                <a:cs typeface="+mn-cs"/>
-              </a:defRPr>
-            </a:lvl4pPr>
-            <a:lvl5pPr marL="1828800" indent="0">
-              <a:defRPr sz="1100">
-                <a:solidFill>
-                  <a:schemeClr val="dk1"/>
-                </a:solidFill>
-                <a:latin typeface="+mn-lt"/>
-                <a:ea typeface="+mn-ea"/>
-                <a:cs typeface="+mn-cs"/>
-              </a:defRPr>
-            </a:lvl5pPr>
-            <a:lvl6pPr marL="2286000" indent="0">
-              <a:defRPr sz="1100">
-                <a:solidFill>
-                  <a:schemeClr val="dk1"/>
-                </a:solidFill>
-                <a:latin typeface="+mn-lt"/>
-                <a:ea typeface="+mn-ea"/>
-                <a:cs typeface="+mn-cs"/>
-              </a:defRPr>
-            </a:lvl6pPr>
-            <a:lvl7pPr marL="2743200" indent="0">
-              <a:defRPr sz="1100">
-                <a:solidFill>
-                  <a:schemeClr val="dk1"/>
-                </a:solidFill>
-                <a:latin typeface="+mn-lt"/>
-                <a:ea typeface="+mn-ea"/>
-                <a:cs typeface="+mn-cs"/>
-              </a:defRPr>
-            </a:lvl7pPr>
-            <a:lvl8pPr marL="3200400" indent="0">
-              <a:defRPr sz="1100">
-                <a:solidFill>
-                  <a:schemeClr val="dk1"/>
-                </a:solidFill>
-                <a:latin typeface="+mn-lt"/>
-                <a:ea typeface="+mn-ea"/>
-                <a:cs typeface="+mn-cs"/>
-              </a:defRPr>
-            </a:lvl8pPr>
-            <a:lvl9pPr marL="3657600" indent="0">
-              <a:defRPr sz="1100">
-                <a:solidFill>
-                  <a:schemeClr val="dk1"/>
-                </a:solidFill>
-                <a:latin typeface="+mn-lt"/>
-                <a:ea typeface="+mn-ea"/>
-                <a:cs typeface="+mn-cs"/>
-              </a:defRPr>
-            </a:lvl9pPr>
-          </a:lstStyle>
-          <a:p>
-            <a:r>
-              <a:rPr lang="en-IN" sz="4000" dirty="0">
-                <a:latin typeface="Segoe UI Black" panose="020B0A02040204020203" pitchFamily="34" charset="0"/>
-                <a:ea typeface="Segoe UI Black" panose="020B0A02040204020203" pitchFamily="34" charset="0"/>
-              </a:rPr>
-              <a:t>blink</a:t>
-            </a:r>
-            <a:r>
-              <a:rPr lang="en-IN" sz="4000" dirty="0">
-                <a:solidFill>
-                  <a:schemeClr val="accent6">
-                    <a:lumMod val="50000"/>
-                  </a:schemeClr>
-                </a:solidFill>
-                <a:latin typeface="Segoe UI Black" panose="020B0A02040204020203" pitchFamily="34" charset="0"/>
-                <a:ea typeface="Segoe UI Black" panose="020B0A02040204020203" pitchFamily="34" charset="0"/>
-              </a:rPr>
-              <a:t>it</a:t>
-            </a:r>
-            <a:r>
-              <a:rPr lang="en-IN" sz="4000" dirty="0">
-                <a:latin typeface="Segoe UI Black" panose="020B0A02040204020203" pitchFamily="34" charset="0"/>
-                <a:ea typeface="Segoe UI Black" panose="020B0A02040204020203" pitchFamily="34" charset="0"/>
-              </a:rPr>
-              <a:t> </a:t>
-            </a:r>
-            <a:r>
-              <a:rPr lang="en-IN" sz="4000" dirty="0">
-                <a:solidFill>
-                  <a:schemeClr val="accent5">
-                    <a:lumMod val="75000"/>
-                  </a:schemeClr>
-                </a:solidFill>
-                <a:latin typeface="Segoe UI Black" panose="020B0A02040204020203" pitchFamily="34" charset="0"/>
-                <a:ea typeface="Segoe UI Black" panose="020B0A02040204020203" pitchFamily="34" charset="0"/>
-              </a:rPr>
-              <a:t>Analysis</a:t>
-            </a:r>
-          </a:p>
-        </p:txBody>
-      </p:sp>
-      <p:pic>
-        <p:nvPicPr>
-          <p:cNvPr id="12" name="Picture 11">
-            <a:extLst>
-              <a:ext uri="{FF2B5EF4-FFF2-40B4-BE49-F238E27FC236}">
-                <a16:creationId xmlns:a16="http://schemas.microsoft.com/office/drawing/2014/main" id="{8D56A6E6-9FEB-E12A-1F6A-8FCBFFF9CFAD}"/>
-              </a:ext>
-            </a:extLst>
-          </p:cNvPr>
-          <p:cNvPicPr>
-            <a:picLocks noChangeAspect="1"/>
-          </p:cNvPicPr>
-          <p:nvPr/>
-        </p:nvPicPr>
-        <p:blipFill>
-          <a:blip r:embed="rId2">
-            <a:extLst>
-              <a:ext uri="{28A0092B-C50C-407E-A947-70E740481C1C}">
-                <a14:useLocalDpi xmlns:a14="http://schemas.microsoft.com/office/drawing/2010/main" val="0"/>
-              </a:ext>
-            </a:extLst>
-          </a:blip>
-          <a:stretch>
-            <a:fillRect/>
-          </a:stretch>
-        </p:blipFill>
-        <p:spPr>
-          <a:xfrm>
-            <a:off x="216015" y="6114979"/>
-            <a:ext cx="860309" cy="620857"/>
-          </a:xfrm>
-          <a:prstGeom prst="rect">
-            <a:avLst/>
-          </a:prstGeom>
-        </p:spPr>
-      </p:pic>
-      <p:pic>
-        <p:nvPicPr>
-          <p:cNvPr id="3" name="Picture 2">
-            <a:extLst>
-              <a:ext uri="{FF2B5EF4-FFF2-40B4-BE49-F238E27FC236}">
-                <a16:creationId xmlns:a16="http://schemas.microsoft.com/office/drawing/2014/main" id="{47CC065B-878E-865D-4391-689A0FADC5E4}"/>
-              </a:ext>
-            </a:extLst>
-          </p:cNvPr>
-          <p:cNvPicPr>
-            <a:picLocks noChangeAspect="1"/>
-          </p:cNvPicPr>
-          <p:nvPr/>
-        </p:nvPicPr>
-        <p:blipFill>
-          <a:blip r:embed="rId3"/>
-          <a:stretch>
-            <a:fillRect/>
-          </a:stretch>
-        </p:blipFill>
-        <p:spPr>
-          <a:xfrm>
-            <a:off x="823378" y="1568168"/>
-            <a:ext cx="10569521" cy="1860832"/>
-          </a:xfrm>
-          <a:prstGeom prst="rect">
-            <a:avLst/>
-          </a:prstGeom>
-        </p:spPr>
-      </p:pic>
-      <p:pic>
-        <p:nvPicPr>
-          <p:cNvPr id="6" name="Picture 6" descr="Like Comment Share PNGs for Free Download">
-            <a:extLst>
-              <a:ext uri="{FF2B5EF4-FFF2-40B4-BE49-F238E27FC236}">
-                <a16:creationId xmlns:a16="http://schemas.microsoft.com/office/drawing/2014/main" id="{F02BE5A9-56AD-A33E-121C-D54800763B4C}"/>
-              </a:ext>
-            </a:extLst>
-          </p:cNvPr>
-          <p:cNvPicPr>
-            <a:picLocks noChangeAspect="1" noChangeArrowheads="1"/>
-          </p:cNvPicPr>
-          <p:nvPr/>
-        </p:nvPicPr>
-        <p:blipFill>
-          <a:blip r:embed="rId4">
-            <a:extLst>
-              <a:ext uri="{28A0092B-C50C-407E-A947-70E740481C1C}">
-                <a14:useLocalDpi xmlns:a14="http://schemas.microsoft.com/office/drawing/2010/main" val="0"/>
-              </a:ext>
-            </a:extLst>
-          </a:blip>
-          <a:srcRect/>
-          <a:stretch>
-            <a:fillRect/>
-          </a:stretch>
-        </p:blipFill>
-        <p:spPr bwMode="auto">
-          <a:xfrm>
-            <a:off x="2755134" y="2132881"/>
-            <a:ext cx="5978106" cy="5978106"/>
-          </a:xfrm>
-          <a:prstGeom prst="rect">
-            <a:avLst/>
-          </a:prstGeom>
-          <a:noFill/>
-          <a:extLst>
-            <a:ext uri="{909E8E84-426E-40DD-AFC4-6F175D3DCCD1}">
-              <a14:hiddenFill xmlns:a14="http://schemas.microsoft.com/office/drawing/2010/main">
-                <a:solidFill>
-                  <a:srgbClr val="FFFFFF"/>
-                </a:solidFill>
-              </a14:hiddenFill>
-            </a:ext>
-          </a:extLst>
-        </p:spPr>
-      </p:pic>
-      <p:pic>
-        <p:nvPicPr>
-          <p:cNvPr id="2" name="Picture 1">
-            <a:extLst>
-              <a:ext uri="{FF2B5EF4-FFF2-40B4-BE49-F238E27FC236}">
-                <a16:creationId xmlns:a16="http://schemas.microsoft.com/office/drawing/2014/main" id="{F3745BC1-43AD-62EF-9B24-680338AED93D}"/>
-              </a:ext>
-            </a:extLst>
-          </p:cNvPr>
-          <p:cNvPicPr>
-            <a:picLocks noChangeAspect="1"/>
-          </p:cNvPicPr>
-          <p:nvPr/>
-        </p:nvPicPr>
-        <p:blipFill>
-          <a:blip r:embed="rId5">
-            <a:extLst>
-              <a:ext uri="{28A0092B-C50C-407E-A947-70E740481C1C}">
-                <a14:useLocalDpi xmlns:a14="http://schemas.microsoft.com/office/drawing/2010/main" val="0"/>
-              </a:ext>
-            </a:extLst>
-          </a:blip>
-          <a:stretch>
-            <a:fillRect/>
-          </a:stretch>
-        </p:blipFill>
-        <p:spPr>
-          <a:xfrm>
-            <a:off x="10689651" y="-307951"/>
-            <a:ext cx="1671703" cy="1671703"/>
-          </a:xfrm>
-          <a:prstGeom prst="rect">
-            <a:avLst/>
-          </a:prstGeom>
-        </p:spPr>
-      </p:pic>
-      <p:pic>
-        <p:nvPicPr>
-          <p:cNvPr id="4" name="Picture 2" descr="Azure SQL Logo - PNG Logo Vector Brand Downloads (SVG, EPS)">
-            <a:extLst>
-              <a:ext uri="{FF2B5EF4-FFF2-40B4-BE49-F238E27FC236}">
-                <a16:creationId xmlns:a16="http://schemas.microsoft.com/office/drawing/2014/main" id="{2C5EBAFC-7B8F-029B-B50E-8326CA62E4D8}"/>
-              </a:ext>
-            </a:extLst>
-          </p:cNvPr>
-          <p:cNvPicPr>
-            <a:picLocks noChangeAspect="1" noChangeArrowheads="1"/>
-          </p:cNvPicPr>
-          <p:nvPr/>
-        </p:nvPicPr>
-        <p:blipFill>
-          <a:blip r:embed="rId6">
-            <a:extLst>
-              <a:ext uri="{28A0092B-C50C-407E-A947-70E740481C1C}">
-                <a14:useLocalDpi xmlns:a14="http://schemas.microsoft.com/office/drawing/2010/main" val="0"/>
-              </a:ext>
-            </a:extLst>
-          </a:blip>
-          <a:srcRect/>
-          <a:stretch>
-            <a:fillRect/>
-          </a:stretch>
-        </p:blipFill>
-        <p:spPr bwMode="auto">
-          <a:xfrm>
-            <a:off x="89512" y="43580"/>
-            <a:ext cx="1096062" cy="794328"/>
-          </a:xfrm>
-          <a:prstGeom prst="rect">
-            <a:avLst/>
-          </a:prstGeom>
-          <a:noFill/>
-          <a:extLst>
-            <a:ext uri="{909E8E84-426E-40DD-AFC4-6F175D3DCCD1}">
-              <a14:hiddenFill xmlns:a14="http://schemas.microsoft.com/office/drawing/2010/main">
-                <a:solidFill>
-                  <a:srgbClr val="FFFFFF"/>
-                </a:solidFill>
-              </a14:hiddenFill>
-            </a:ext>
-          </a:extLst>
-        </p:spPr>
-      </p:pic>
-      <p:pic>
-        <p:nvPicPr>
-          <p:cNvPr id="8" name="Picture 4" descr="Microsoft SQL Server color icon in PNG, SVG">
-            <a:extLst>
-              <a:ext uri="{FF2B5EF4-FFF2-40B4-BE49-F238E27FC236}">
-                <a16:creationId xmlns:a16="http://schemas.microsoft.com/office/drawing/2014/main" id="{8D598524-9B3B-7CCC-E427-8952225AB680}"/>
-              </a:ext>
-            </a:extLst>
-          </p:cNvPr>
-          <p:cNvPicPr>
-            <a:picLocks noChangeAspect="1" noChangeArrowheads="1"/>
-          </p:cNvPicPr>
-          <p:nvPr/>
-        </p:nvPicPr>
-        <p:blipFill>
-          <a:blip r:embed="rId7">
-            <a:duotone>
-              <a:prstClr val="black"/>
-              <a:schemeClr val="accent1">
-                <a:tint val="45000"/>
-                <a:satMod val="400000"/>
-              </a:schemeClr>
-            </a:duotone>
-            <a:extLst>
-              <a:ext uri="{28A0092B-C50C-407E-A947-70E740481C1C}">
-                <a14:useLocalDpi xmlns:a14="http://schemas.microsoft.com/office/drawing/2010/main" val="0"/>
-              </a:ext>
-            </a:extLst>
-          </a:blip>
-          <a:srcRect/>
-          <a:stretch>
-            <a:fillRect/>
-          </a:stretch>
-        </p:blipFill>
-        <p:spPr bwMode="auto">
-          <a:xfrm>
-            <a:off x="11351177" y="6015740"/>
-            <a:ext cx="842260" cy="842260"/>
-          </a:xfrm>
-          <a:prstGeom prst="rect">
-            <a:avLst/>
-          </a:prstGeom>
-          <a:noFill/>
-          <a:extLst>
-            <a:ext uri="{909E8E84-426E-40DD-AFC4-6F175D3DCCD1}">
-              <a14:hiddenFill xmlns:a14="http://schemas.microsoft.com/office/drawing/2010/main">
-                <a:solidFill>
-                  <a:srgbClr val="FFFFFF"/>
-                </a:solidFill>
-              </a14:hiddenFill>
-            </a:ext>
-          </a:extLst>
-        </p:spPr>
-      </p:pic>
-    </p:spTree>
-    <p:extLst>
-      <p:ext uri="{BB962C8B-B14F-4D97-AF65-F5344CB8AC3E}">
-        <p14:creationId xmlns:p14="http://schemas.microsoft.com/office/powerpoint/2010/main" val="1639272484"/>
       </p:ext>
     </p:extLst>
   </p:cSld>
